--- a/Lab-10 (Ensemble Method)/Ensemble Learning.pptx
+++ b/Lab-10 (Ensemble Method)/Ensemble Learning.pptx
@@ -6140,7 +6140,7 @@
           <a:p>
             <a:fld id="{9396C129-B3B8-4015-8271-B277D05AC794}" type="datetimeFigureOut">
               <a:rPr lang="en-US" smtClean="0"/>
-              <a:t>11/12/2024</a:t>
+              <a:t>11/14/2024</a:t>
             </a:fld>
             <a:endParaRPr lang="en-US"/>
           </a:p>
@@ -6310,7 +6310,7 @@
           <a:p>
             <a:fld id="{9396C129-B3B8-4015-8271-B277D05AC794}" type="datetimeFigureOut">
               <a:rPr lang="en-US" smtClean="0"/>
-              <a:t>11/12/2024</a:t>
+              <a:t>11/14/2024</a:t>
             </a:fld>
             <a:endParaRPr lang="en-US"/>
           </a:p>
@@ -6490,7 +6490,7 @@
           <a:p>
             <a:fld id="{9396C129-B3B8-4015-8271-B277D05AC794}" type="datetimeFigureOut">
               <a:rPr lang="en-US" smtClean="0"/>
-              <a:t>11/12/2024</a:t>
+              <a:t>11/14/2024</a:t>
             </a:fld>
             <a:endParaRPr lang="en-US"/>
           </a:p>
@@ -6660,7 +6660,7 @@
           <a:p>
             <a:fld id="{9396C129-B3B8-4015-8271-B277D05AC794}" type="datetimeFigureOut">
               <a:rPr lang="en-US" smtClean="0"/>
-              <a:t>11/12/2024</a:t>
+              <a:t>11/14/2024</a:t>
             </a:fld>
             <a:endParaRPr lang="en-US"/>
           </a:p>
@@ -6906,7 +6906,7 @@
           <a:p>
             <a:fld id="{9396C129-B3B8-4015-8271-B277D05AC794}" type="datetimeFigureOut">
               <a:rPr lang="en-US" smtClean="0"/>
-              <a:t>11/12/2024</a:t>
+              <a:t>11/14/2024</a:t>
             </a:fld>
             <a:endParaRPr lang="en-US"/>
           </a:p>
@@ -7138,7 +7138,7 @@
           <a:p>
             <a:fld id="{9396C129-B3B8-4015-8271-B277D05AC794}" type="datetimeFigureOut">
               <a:rPr lang="en-US" smtClean="0"/>
-              <a:t>11/12/2024</a:t>
+              <a:t>11/14/2024</a:t>
             </a:fld>
             <a:endParaRPr lang="en-US"/>
           </a:p>
@@ -7505,7 +7505,7 @@
           <a:p>
             <a:fld id="{9396C129-B3B8-4015-8271-B277D05AC794}" type="datetimeFigureOut">
               <a:rPr lang="en-US" smtClean="0"/>
-              <a:t>11/12/2024</a:t>
+              <a:t>11/14/2024</a:t>
             </a:fld>
             <a:endParaRPr lang="en-US"/>
           </a:p>
@@ -7623,7 +7623,7 @@
           <a:p>
             <a:fld id="{9396C129-B3B8-4015-8271-B277D05AC794}" type="datetimeFigureOut">
               <a:rPr lang="en-US" smtClean="0"/>
-              <a:t>11/12/2024</a:t>
+              <a:t>11/14/2024</a:t>
             </a:fld>
             <a:endParaRPr lang="en-US"/>
           </a:p>
@@ -7718,7 +7718,7 @@
           <a:p>
             <a:fld id="{9396C129-B3B8-4015-8271-B277D05AC794}" type="datetimeFigureOut">
               <a:rPr lang="en-US" smtClean="0"/>
-              <a:t>11/12/2024</a:t>
+              <a:t>11/14/2024</a:t>
             </a:fld>
             <a:endParaRPr lang="en-US"/>
           </a:p>
@@ -7995,7 +7995,7 @@
           <a:p>
             <a:fld id="{9396C129-B3B8-4015-8271-B277D05AC794}" type="datetimeFigureOut">
               <a:rPr lang="en-US" smtClean="0"/>
-              <a:t>11/12/2024</a:t>
+              <a:t>11/14/2024</a:t>
             </a:fld>
             <a:endParaRPr lang="en-US"/>
           </a:p>
@@ -8248,7 +8248,7 @@
           <a:p>
             <a:fld id="{9396C129-B3B8-4015-8271-B277D05AC794}" type="datetimeFigureOut">
               <a:rPr lang="en-US" smtClean="0"/>
-              <a:t>11/12/2024</a:t>
+              <a:t>11/14/2024</a:t>
             </a:fld>
             <a:endParaRPr lang="en-US"/>
           </a:p>
@@ -8461,7 +8461,7 @@
           <a:p>
             <a:fld id="{9396C129-B3B8-4015-8271-B277D05AC794}" type="datetimeFigureOut">
               <a:rPr lang="en-US" smtClean="0"/>
-              <a:t>11/12/2024</a:t>
+              <a:t>11/14/2024</a:t>
             </a:fld>
             <a:endParaRPr lang="en-US"/>
           </a:p>
@@ -13866,16 +13866,16 @@
       </p:sp>
       <p:grpSp>
         <p:nvGrpSpPr>
-          <p:cNvPr id="8" name="Group 7"/>
+          <p:cNvPr id="10" name="Group 9"/>
           <p:cNvGrpSpPr/>
           <p:nvPr/>
         </p:nvGrpSpPr>
         <p:grpSpPr>
           <a:xfrm>
-            <a:off x="5081032" y="1343383"/>
-            <a:ext cx="996779" cy="547427"/>
-            <a:chOff x="1965060" y="3965418"/>
-            <a:chExt cx="659072" cy="593003"/>
+            <a:off x="5231301" y="1343383"/>
+            <a:ext cx="642163" cy="411615"/>
+            <a:chOff x="2064417" y="3965418"/>
+            <a:chExt cx="424599" cy="445884"/>
           </a:xfrm>
           <a:solidFill>
             <a:schemeClr val="accent6">
@@ -13883,61 +13883,71 @@
             </a:schemeClr>
           </a:solidFill>
         </p:grpSpPr>
-        <p:cxnSp>
-          <p:nvCxnSpPr>
-            <p:cNvPr id="9" name="Straight Connector 8"/>
-            <p:cNvCxnSpPr/>
+        <p:sp>
+          <p:nvSpPr>
+            <p:cNvPr id="11" name="Oval 10"/>
+            <p:cNvSpPr/>
             <p:nvPr/>
-          </p:nvCxnSpPr>
+          </p:nvSpPr>
           <p:spPr>
-            <a:xfrm flipH="1">
-              <a:off x="2321640" y="4407665"/>
-              <a:ext cx="95402" cy="150756"/>
+            <a:xfrm>
+              <a:off x="2362265" y="4271863"/>
+              <a:ext cx="126751" cy="135802"/>
             </a:xfrm>
-            <a:prstGeom prst="line">
+            <a:prstGeom prst="ellipse">
               <a:avLst/>
             </a:prstGeom>
             <a:grpFill/>
           </p:spPr>
           <p:style>
-            <a:lnRef idx="1">
-              <a:schemeClr val="accent1"/>
+            <a:lnRef idx="2">
+              <a:schemeClr val="accent1">
+                <a:shade val="50000"/>
+              </a:schemeClr>
             </a:lnRef>
-            <a:fillRef idx="0">
+            <a:fillRef idx="1">
               <a:schemeClr val="accent1"/>
             </a:fillRef>
             <a:effectRef idx="0">
               <a:schemeClr val="accent1"/>
             </a:effectRef>
             <a:fontRef idx="minor">
-              <a:schemeClr val="tx1"/>
+              <a:schemeClr val="lt1"/>
             </a:fontRef>
           </p:style>
-        </p:cxnSp>
+          <p:txBody>
+            <a:bodyPr rtlCol="0" anchor="ctr"/>
+            <a:lstStyle/>
+            <a:p>
+              <a:pPr algn="ctr"/>
+              <a:endParaRPr lang="en-US"/>
+            </a:p>
+          </p:txBody>
+        </p:sp>
         <p:grpSp>
           <p:nvGrpSpPr>
-            <p:cNvPr id="10" name="Group 9"/>
+            <p:cNvPr id="12" name="Group 11"/>
             <p:cNvGrpSpPr/>
             <p:nvPr/>
           </p:nvGrpSpPr>
           <p:grpSpPr>
             <a:xfrm>
-              <a:off x="1965060" y="3965418"/>
-              <a:ext cx="659072" cy="593003"/>
-              <a:chOff x="1965060" y="3965418"/>
-              <a:chExt cx="659072" cy="593003"/>
+              <a:off x="2064417" y="3965418"/>
+              <a:ext cx="343803" cy="445884"/>
+              <a:chOff x="2064417" y="3965418"/>
+              <a:chExt cx="343803" cy="445884"/>
             </a:xfrm>
             <a:grpFill/>
           </p:grpSpPr>
           <p:sp>
             <p:nvSpPr>
-              <p:cNvPr id="11" name="Oval 10"/>
+              <p:cNvPr id="13" name="Oval 12"/>
               <p:cNvSpPr/>
               <p:nvPr/>
             </p:nvSpPr>
             <p:spPr>
               <a:xfrm>
-                <a:off x="2362265" y="4271863"/>
+                <a:off x="2227150" y="3965418"/>
                 <a:ext cx="126751" cy="135802"/>
               </a:xfrm>
               <a:prstGeom prst="ellipse">
@@ -13970,261 +13980,111 @@
               </a:p>
             </p:txBody>
           </p:sp>
-          <p:grpSp>
-            <p:nvGrpSpPr>
-              <p:cNvPr id="12" name="Group 11"/>
-              <p:cNvGrpSpPr/>
+          <p:cxnSp>
+            <p:nvCxnSpPr>
+              <p:cNvPr id="14" name="Straight Connector 13"/>
+              <p:cNvCxnSpPr>
+                <a:stCxn id="13" idx="3"/>
+              </p:cNvCxnSpPr>
               <p:nvPr/>
-            </p:nvGrpSpPr>
-            <p:grpSpPr>
+            </p:nvCxnSpPr>
+            <p:spPr>
+              <a:xfrm flipH="1">
+                <a:off x="2145673" y="4081333"/>
+                <a:ext cx="100040" cy="210011"/>
+              </a:xfrm>
+              <a:prstGeom prst="line">
+                <a:avLst/>
+              </a:prstGeom>
+              <a:grpFill/>
+            </p:spPr>
+            <p:style>
+              <a:lnRef idx="1">
+                <a:schemeClr val="accent1"/>
+              </a:lnRef>
+              <a:fillRef idx="0">
+                <a:schemeClr val="accent1"/>
+              </a:fillRef>
+              <a:effectRef idx="0">
+                <a:schemeClr val="accent1"/>
+              </a:effectRef>
+              <a:fontRef idx="minor">
+                <a:schemeClr val="tx1"/>
+              </a:fontRef>
+            </p:style>
+          </p:cxnSp>
+          <p:cxnSp>
+            <p:nvCxnSpPr>
+              <p:cNvPr id="15" name="Straight Connector 14"/>
+              <p:cNvCxnSpPr/>
+              <p:nvPr/>
+            </p:nvCxnSpPr>
+            <p:spPr>
               <a:xfrm>
-                <a:off x="1965060" y="3965418"/>
-                <a:ext cx="659072" cy="593003"/>
-                <a:chOff x="1965060" y="3965418"/>
-                <a:chExt cx="659072" cy="593003"/>
+                <a:off x="2326284" y="4101219"/>
+                <a:ext cx="81936" cy="210011"/>
               </a:xfrm>
+              <a:prstGeom prst="line">
+                <a:avLst/>
+              </a:prstGeom>
               <a:grpFill/>
-            </p:grpSpPr>
-            <p:sp>
-              <p:nvSpPr>
-                <p:cNvPr id="13" name="Oval 12"/>
-                <p:cNvSpPr/>
-                <p:nvPr/>
-              </p:nvSpPr>
-              <p:spPr>
-                <a:xfrm>
-                  <a:off x="2227150" y="3965418"/>
-                  <a:ext cx="126751" cy="135802"/>
-                </a:xfrm>
-                <a:prstGeom prst="ellipse">
-                  <a:avLst/>
-                </a:prstGeom>
-                <a:grpFill/>
-              </p:spPr>
-              <p:style>
-                <a:lnRef idx="2">
-                  <a:schemeClr val="accent1">
-                    <a:shade val="50000"/>
-                  </a:schemeClr>
-                </a:lnRef>
-                <a:fillRef idx="1">
-                  <a:schemeClr val="accent1"/>
-                </a:fillRef>
-                <a:effectRef idx="0">
-                  <a:schemeClr val="accent1"/>
-                </a:effectRef>
-                <a:fontRef idx="minor">
-                  <a:schemeClr val="lt1"/>
-                </a:fontRef>
-              </p:style>
-              <p:txBody>
-                <a:bodyPr rtlCol="0" anchor="ctr"/>
-                <a:lstStyle/>
-                <a:p>
-                  <a:pPr algn="ctr"/>
-                  <a:endParaRPr lang="en-US"/>
-                </a:p>
-              </p:txBody>
-            </p:sp>
-            <p:cxnSp>
-              <p:nvCxnSpPr>
-                <p:cNvPr id="14" name="Straight Connector 13"/>
-                <p:cNvCxnSpPr>
-                  <a:stCxn id="13" idx="3"/>
-                </p:cNvCxnSpPr>
-                <p:nvPr/>
-              </p:nvCxnSpPr>
-              <p:spPr>
-                <a:xfrm flipH="1">
-                  <a:off x="2145673" y="4081333"/>
-                  <a:ext cx="100040" cy="210011"/>
-                </a:xfrm>
-                <a:prstGeom prst="line">
-                  <a:avLst/>
-                </a:prstGeom>
-                <a:grpFill/>
-              </p:spPr>
-              <p:style>
-                <a:lnRef idx="1">
-                  <a:schemeClr val="accent1"/>
-                </a:lnRef>
-                <a:fillRef idx="0">
-                  <a:schemeClr val="accent1"/>
-                </a:fillRef>
-                <a:effectRef idx="0">
-                  <a:schemeClr val="accent1"/>
-                </a:effectRef>
-                <a:fontRef idx="minor">
-                  <a:schemeClr val="tx1"/>
-                </a:fontRef>
-              </p:style>
-            </p:cxnSp>
-            <p:cxnSp>
-              <p:nvCxnSpPr>
-                <p:cNvPr id="15" name="Straight Connector 14"/>
-                <p:cNvCxnSpPr/>
-                <p:nvPr/>
-              </p:nvCxnSpPr>
-              <p:spPr>
-                <a:xfrm>
-                  <a:off x="2326284" y="4101219"/>
-                  <a:ext cx="81936" cy="210011"/>
-                </a:xfrm>
-                <a:prstGeom prst="line">
-                  <a:avLst/>
-                </a:prstGeom>
-                <a:grpFill/>
-              </p:spPr>
-              <p:style>
-                <a:lnRef idx="1">
-                  <a:schemeClr val="accent1"/>
-                </a:lnRef>
-                <a:fillRef idx="0">
-                  <a:schemeClr val="accent1"/>
-                </a:fillRef>
-                <a:effectRef idx="0">
-                  <a:schemeClr val="accent1"/>
-                </a:effectRef>
-                <a:fontRef idx="minor">
-                  <a:schemeClr val="tx1"/>
-                </a:fontRef>
-              </p:style>
-            </p:cxnSp>
-            <p:sp>
-              <p:nvSpPr>
-                <p:cNvPr id="16" name="Oval 15"/>
-                <p:cNvSpPr/>
-                <p:nvPr/>
-              </p:nvSpPr>
-              <p:spPr>
-                <a:xfrm>
-                  <a:off x="2064417" y="4275500"/>
-                  <a:ext cx="126751" cy="135802"/>
-                </a:xfrm>
-                <a:prstGeom prst="ellipse">
-                  <a:avLst/>
-                </a:prstGeom>
-                <a:grpFill/>
-              </p:spPr>
-              <p:style>
-                <a:lnRef idx="2">
-                  <a:schemeClr val="accent1">
-                    <a:shade val="50000"/>
-                  </a:schemeClr>
-                </a:lnRef>
-                <a:fillRef idx="1">
-                  <a:schemeClr val="accent1"/>
-                </a:fillRef>
-                <a:effectRef idx="0">
-                  <a:schemeClr val="accent1"/>
-                </a:effectRef>
-                <a:fontRef idx="minor">
-                  <a:schemeClr val="lt1"/>
-                </a:fontRef>
-              </p:style>
-              <p:txBody>
-                <a:bodyPr rtlCol="0" anchor="ctr"/>
-                <a:lstStyle/>
-                <a:p>
-                  <a:pPr algn="ctr"/>
-                  <a:endParaRPr lang="en-US"/>
-                </a:p>
-              </p:txBody>
-            </p:sp>
-            <p:cxnSp>
-              <p:nvCxnSpPr>
-                <p:cNvPr id="17" name="Straight Connector 16"/>
-                <p:cNvCxnSpPr/>
-                <p:nvPr/>
-              </p:nvCxnSpPr>
-              <p:spPr>
-                <a:xfrm flipH="1">
-                  <a:off x="1965060" y="4389560"/>
-                  <a:ext cx="135344" cy="168861"/>
-                </a:xfrm>
-                <a:prstGeom prst="line">
-                  <a:avLst/>
-                </a:prstGeom>
-                <a:grpFill/>
-              </p:spPr>
-              <p:style>
-                <a:lnRef idx="1">
-                  <a:schemeClr val="accent1"/>
-                </a:lnRef>
-                <a:fillRef idx="0">
-                  <a:schemeClr val="accent1"/>
-                </a:fillRef>
-                <a:effectRef idx="0">
-                  <a:schemeClr val="accent1"/>
-                </a:effectRef>
-                <a:fontRef idx="minor">
-                  <a:schemeClr val="tx1"/>
-                </a:fontRef>
-              </p:style>
-            </p:cxnSp>
-            <p:cxnSp>
-              <p:nvCxnSpPr>
-                <p:cNvPr id="18" name="Straight Connector 17"/>
-                <p:cNvCxnSpPr/>
-                <p:nvPr/>
-              </p:nvCxnSpPr>
-              <p:spPr>
-                <a:xfrm>
-                  <a:off x="2158908" y="4380507"/>
-                  <a:ext cx="112592" cy="177914"/>
-                </a:xfrm>
-                <a:prstGeom prst="line">
-                  <a:avLst/>
-                </a:prstGeom>
-                <a:grpFill/>
-              </p:spPr>
-              <p:style>
-                <a:lnRef idx="1">
-                  <a:schemeClr val="accent1"/>
-                </a:lnRef>
-                <a:fillRef idx="0">
-                  <a:schemeClr val="accent1"/>
-                </a:fillRef>
-                <a:effectRef idx="0">
-                  <a:schemeClr val="accent1"/>
-                </a:effectRef>
-                <a:fontRef idx="minor">
-                  <a:schemeClr val="tx1"/>
-                </a:fontRef>
-              </p:style>
-            </p:cxnSp>
-            <p:cxnSp>
-              <p:nvCxnSpPr>
-                <p:cNvPr id="19" name="Straight Connector 18"/>
-                <p:cNvCxnSpPr/>
-                <p:nvPr/>
-              </p:nvCxnSpPr>
-              <p:spPr>
-                <a:xfrm>
-                  <a:off x="2461619" y="4385442"/>
-                  <a:ext cx="162513" cy="172979"/>
-                </a:xfrm>
-                <a:prstGeom prst="line">
-                  <a:avLst/>
-                </a:prstGeom>
-                <a:grpFill/>
-              </p:spPr>
-              <p:style>
-                <a:lnRef idx="1">
-                  <a:schemeClr val="accent1"/>
-                </a:lnRef>
-                <a:fillRef idx="0">
-                  <a:schemeClr val="accent1"/>
-                </a:fillRef>
-                <a:effectRef idx="0">
-                  <a:schemeClr val="accent1"/>
-                </a:effectRef>
-                <a:fontRef idx="minor">
-                  <a:schemeClr val="tx1"/>
-                </a:fontRef>
-              </p:style>
-            </p:cxnSp>
-          </p:grpSp>
+            </p:spPr>
+            <p:style>
+              <a:lnRef idx="1">
+                <a:schemeClr val="accent1"/>
+              </a:lnRef>
+              <a:fillRef idx="0">
+                <a:schemeClr val="accent1"/>
+              </a:fillRef>
+              <a:effectRef idx="0">
+                <a:schemeClr val="accent1"/>
+              </a:effectRef>
+              <a:fontRef idx="minor">
+                <a:schemeClr val="tx1"/>
+              </a:fontRef>
+            </p:style>
+          </p:cxnSp>
+          <p:sp>
+            <p:nvSpPr>
+              <p:cNvPr id="16" name="Oval 15"/>
+              <p:cNvSpPr/>
+              <p:nvPr/>
+            </p:nvSpPr>
+            <p:spPr>
+              <a:xfrm>
+                <a:off x="2064417" y="4275500"/>
+                <a:ext cx="126751" cy="135802"/>
+              </a:xfrm>
+              <a:prstGeom prst="ellipse">
+                <a:avLst/>
+              </a:prstGeom>
+              <a:grpFill/>
+            </p:spPr>
+            <p:style>
+              <a:lnRef idx="2">
+                <a:schemeClr val="accent1">
+                  <a:shade val="50000"/>
+                </a:schemeClr>
+              </a:lnRef>
+              <a:fillRef idx="1">
+                <a:schemeClr val="accent1"/>
+              </a:fillRef>
+              <a:effectRef idx="0">
+                <a:schemeClr val="accent1"/>
+              </a:effectRef>
+              <a:fontRef idx="minor">
+                <a:schemeClr val="lt1"/>
+              </a:fontRef>
+            </p:style>
+            <p:txBody>
+              <a:bodyPr rtlCol="0" anchor="ctr"/>
+              <a:lstStyle/>
+              <a:p>
+                <a:pPr algn="ctr"/>
+                <a:endParaRPr lang="en-US"/>
+              </a:p>
+            </p:txBody>
+          </p:sp>
         </p:grpSp>
       </p:grpSp>
       <p:cxnSp>
@@ -14405,11 +14265,7 @@
             <a:pPr algn="ctr"/>
             <a:r>
               <a:rPr lang="en-US" sz="1600" dirty="0" smtClean="0"/>
-              <a:t>Revised </a:t>
-            </a:r>
-            <a:r>
-              <a:rPr lang="en-US" sz="1600" dirty="0" smtClean="0"/>
-              <a:t>dataset with updated weights</a:t>
+              <a:t>Revised dataset with updated weights</a:t>
             </a:r>
             <a:endParaRPr lang="en-US" sz="1600" dirty="0"/>
           </a:p>
@@ -14480,16 +14336,16 @@
       </p:cxnSp>
       <p:grpSp>
         <p:nvGrpSpPr>
-          <p:cNvPr id="39" name="Group 38"/>
+          <p:cNvPr id="41" name="Group 40"/>
           <p:cNvGrpSpPr/>
           <p:nvPr/>
         </p:nvGrpSpPr>
         <p:grpSpPr>
           <a:xfrm>
-            <a:off x="5031015" y="4007086"/>
-            <a:ext cx="1054193" cy="572893"/>
-            <a:chOff x="1965060" y="3965418"/>
-            <a:chExt cx="659072" cy="593003"/>
+            <a:off x="5189933" y="4007085"/>
+            <a:ext cx="679150" cy="430763"/>
+            <a:chOff x="2064417" y="3965418"/>
+            <a:chExt cx="424599" cy="445884"/>
           </a:xfrm>
           <a:solidFill>
             <a:schemeClr val="accent6">
@@ -14497,61 +14353,71 @@
             </a:schemeClr>
           </a:solidFill>
         </p:grpSpPr>
-        <p:cxnSp>
-          <p:nvCxnSpPr>
-            <p:cNvPr id="40" name="Straight Connector 39"/>
-            <p:cNvCxnSpPr/>
+        <p:sp>
+          <p:nvSpPr>
+            <p:cNvPr id="42" name="Oval 41"/>
+            <p:cNvSpPr/>
             <p:nvPr/>
-          </p:nvCxnSpPr>
+          </p:nvSpPr>
           <p:spPr>
-            <a:xfrm flipH="1">
-              <a:off x="2321640" y="4407665"/>
-              <a:ext cx="95402" cy="150756"/>
+            <a:xfrm>
+              <a:off x="2362265" y="4271863"/>
+              <a:ext cx="126751" cy="135802"/>
             </a:xfrm>
-            <a:prstGeom prst="line">
+            <a:prstGeom prst="ellipse">
               <a:avLst/>
             </a:prstGeom>
             <a:grpFill/>
           </p:spPr>
           <p:style>
-            <a:lnRef idx="1">
-              <a:schemeClr val="accent1"/>
+            <a:lnRef idx="2">
+              <a:schemeClr val="accent1">
+                <a:shade val="50000"/>
+              </a:schemeClr>
             </a:lnRef>
-            <a:fillRef idx="0">
+            <a:fillRef idx="1">
               <a:schemeClr val="accent1"/>
             </a:fillRef>
             <a:effectRef idx="0">
               <a:schemeClr val="accent1"/>
             </a:effectRef>
             <a:fontRef idx="minor">
-              <a:schemeClr val="tx1"/>
+              <a:schemeClr val="lt1"/>
             </a:fontRef>
           </p:style>
-        </p:cxnSp>
+          <p:txBody>
+            <a:bodyPr rtlCol="0" anchor="ctr"/>
+            <a:lstStyle/>
+            <a:p>
+              <a:pPr algn="ctr"/>
+              <a:endParaRPr lang="en-US"/>
+            </a:p>
+          </p:txBody>
+        </p:sp>
         <p:grpSp>
           <p:nvGrpSpPr>
-            <p:cNvPr id="41" name="Group 40"/>
+            <p:cNvPr id="43" name="Group 42"/>
             <p:cNvGrpSpPr/>
             <p:nvPr/>
           </p:nvGrpSpPr>
           <p:grpSpPr>
             <a:xfrm>
-              <a:off x="1965060" y="3965418"/>
-              <a:ext cx="659072" cy="593003"/>
-              <a:chOff x="1965060" y="3965418"/>
-              <a:chExt cx="659072" cy="593003"/>
+              <a:off x="2064417" y="3965418"/>
+              <a:ext cx="361224" cy="445884"/>
+              <a:chOff x="2064417" y="3965418"/>
+              <a:chExt cx="361224" cy="445884"/>
             </a:xfrm>
             <a:grpFill/>
           </p:grpSpPr>
           <p:sp>
             <p:nvSpPr>
-              <p:cNvPr id="42" name="Oval 41"/>
+              <p:cNvPr id="44" name="Oval 43"/>
               <p:cNvSpPr/>
               <p:nvPr/>
             </p:nvSpPr>
             <p:spPr>
               <a:xfrm>
-                <a:off x="2362265" y="4271863"/>
+                <a:off x="2227150" y="3965418"/>
                 <a:ext cx="126751" cy="135802"/>
               </a:xfrm>
               <a:prstGeom prst="ellipse">
@@ -14584,265 +14450,113 @@
               </a:p>
             </p:txBody>
           </p:sp>
-          <p:grpSp>
-            <p:nvGrpSpPr>
-              <p:cNvPr id="43" name="Group 42"/>
-              <p:cNvGrpSpPr/>
+          <p:cxnSp>
+            <p:nvCxnSpPr>
+              <p:cNvPr id="45" name="Straight Connector 44"/>
+              <p:cNvCxnSpPr>
+                <a:stCxn id="44" idx="3"/>
+              </p:cNvCxnSpPr>
               <p:nvPr/>
-            </p:nvGrpSpPr>
-            <p:grpSpPr>
+            </p:nvCxnSpPr>
+            <p:spPr>
+              <a:xfrm flipH="1">
+                <a:off x="2145672" y="4081332"/>
+                <a:ext cx="100041" cy="210011"/>
+              </a:xfrm>
+              <a:prstGeom prst="line">
+                <a:avLst/>
+              </a:prstGeom>
+              <a:grpFill/>
+            </p:spPr>
+            <p:style>
+              <a:lnRef idx="1">
+                <a:schemeClr val="accent1"/>
+              </a:lnRef>
+              <a:fillRef idx="0">
+                <a:schemeClr val="accent1"/>
+              </a:fillRef>
+              <a:effectRef idx="0">
+                <a:schemeClr val="accent1"/>
+              </a:effectRef>
+              <a:fontRef idx="minor">
+                <a:schemeClr val="tx1"/>
+              </a:fontRef>
+            </p:style>
+          </p:cxnSp>
+          <p:cxnSp>
+            <p:nvCxnSpPr>
+              <p:cNvPr id="46" name="Straight Connector 45"/>
+              <p:cNvCxnSpPr>
+                <a:endCxn id="42" idx="0"/>
+              </p:cNvCxnSpPr>
+              <p:nvPr/>
+            </p:nvCxnSpPr>
+            <p:spPr>
               <a:xfrm>
-                <a:off x="1965060" y="3965418"/>
-                <a:ext cx="659072" cy="593003"/>
-                <a:chOff x="1965060" y="3965418"/>
-                <a:chExt cx="659072" cy="593003"/>
+                <a:off x="2326284" y="4101219"/>
+                <a:ext cx="99357" cy="170644"/>
               </a:xfrm>
+              <a:prstGeom prst="line">
+                <a:avLst/>
+              </a:prstGeom>
               <a:grpFill/>
-            </p:grpSpPr>
-            <p:sp>
-              <p:nvSpPr>
-                <p:cNvPr id="44" name="Oval 43"/>
-                <p:cNvSpPr/>
-                <p:nvPr/>
-              </p:nvSpPr>
-              <p:spPr>
-                <a:xfrm>
-                  <a:off x="2227150" y="3965418"/>
-                  <a:ext cx="126751" cy="135802"/>
-                </a:xfrm>
-                <a:prstGeom prst="ellipse">
-                  <a:avLst/>
-                </a:prstGeom>
-                <a:grpFill/>
-              </p:spPr>
-              <p:style>
-                <a:lnRef idx="2">
-                  <a:schemeClr val="accent1">
-                    <a:shade val="50000"/>
-                  </a:schemeClr>
-                </a:lnRef>
-                <a:fillRef idx="1">
-                  <a:schemeClr val="accent1"/>
-                </a:fillRef>
-                <a:effectRef idx="0">
-                  <a:schemeClr val="accent1"/>
-                </a:effectRef>
-                <a:fontRef idx="minor">
-                  <a:schemeClr val="lt1"/>
-                </a:fontRef>
-              </p:style>
-              <p:txBody>
-                <a:bodyPr rtlCol="0" anchor="ctr"/>
-                <a:lstStyle/>
-                <a:p>
-                  <a:pPr algn="ctr"/>
-                  <a:endParaRPr lang="en-US"/>
-                </a:p>
-              </p:txBody>
-            </p:sp>
-            <p:cxnSp>
-              <p:nvCxnSpPr>
-                <p:cNvPr id="45" name="Straight Connector 44"/>
-                <p:cNvCxnSpPr>
-                  <a:stCxn id="44" idx="3"/>
-                </p:cNvCxnSpPr>
-                <p:nvPr/>
-              </p:nvCxnSpPr>
-              <p:spPr>
-                <a:xfrm flipH="1">
-                  <a:off x="2145672" y="4081332"/>
-                  <a:ext cx="100041" cy="210011"/>
-                </a:xfrm>
-                <a:prstGeom prst="line">
-                  <a:avLst/>
-                </a:prstGeom>
-                <a:grpFill/>
-              </p:spPr>
-              <p:style>
-                <a:lnRef idx="1">
-                  <a:schemeClr val="accent1"/>
-                </a:lnRef>
-                <a:fillRef idx="0">
-                  <a:schemeClr val="accent1"/>
-                </a:fillRef>
-                <a:effectRef idx="0">
-                  <a:schemeClr val="accent1"/>
-                </a:effectRef>
-                <a:fontRef idx="minor">
-                  <a:schemeClr val="tx1"/>
-                </a:fontRef>
-              </p:style>
-            </p:cxnSp>
-            <p:cxnSp>
-              <p:nvCxnSpPr>
-                <p:cNvPr id="46" name="Straight Connector 45"/>
-                <p:cNvCxnSpPr>
-                  <a:endCxn id="42" idx="0"/>
-                </p:cNvCxnSpPr>
-                <p:nvPr/>
-              </p:nvCxnSpPr>
-              <p:spPr>
-                <a:xfrm>
-                  <a:off x="2326284" y="4101219"/>
-                  <a:ext cx="99357" cy="170644"/>
-                </a:xfrm>
-                <a:prstGeom prst="line">
-                  <a:avLst/>
-                </a:prstGeom>
-                <a:grpFill/>
-              </p:spPr>
-              <p:style>
-                <a:lnRef idx="1">
-                  <a:schemeClr val="accent1"/>
-                </a:lnRef>
-                <a:fillRef idx="0">
-                  <a:schemeClr val="accent1"/>
-                </a:fillRef>
-                <a:effectRef idx="0">
-                  <a:schemeClr val="accent1"/>
-                </a:effectRef>
-                <a:fontRef idx="minor">
-                  <a:schemeClr val="tx1"/>
-                </a:fontRef>
-              </p:style>
-            </p:cxnSp>
-            <p:sp>
-              <p:nvSpPr>
-                <p:cNvPr id="47" name="Oval 46"/>
-                <p:cNvSpPr/>
-                <p:nvPr/>
-              </p:nvSpPr>
-              <p:spPr>
-                <a:xfrm>
-                  <a:off x="2064417" y="4275500"/>
-                  <a:ext cx="126751" cy="135802"/>
-                </a:xfrm>
-                <a:prstGeom prst="ellipse">
-                  <a:avLst/>
-                </a:prstGeom>
-                <a:grpFill/>
-              </p:spPr>
-              <p:style>
-                <a:lnRef idx="2">
-                  <a:schemeClr val="accent1">
-                    <a:shade val="50000"/>
-                  </a:schemeClr>
-                </a:lnRef>
-                <a:fillRef idx="1">
-                  <a:schemeClr val="accent1"/>
-                </a:fillRef>
-                <a:effectRef idx="0">
-                  <a:schemeClr val="accent1"/>
-                </a:effectRef>
-                <a:fontRef idx="minor">
-                  <a:schemeClr val="lt1"/>
-                </a:fontRef>
-              </p:style>
-              <p:txBody>
-                <a:bodyPr rtlCol="0" anchor="ctr"/>
-                <a:lstStyle/>
-                <a:p>
-                  <a:pPr algn="ctr"/>
-                  <a:endParaRPr lang="en-US"/>
-                </a:p>
-              </p:txBody>
-            </p:sp>
-            <p:cxnSp>
-              <p:nvCxnSpPr>
-                <p:cNvPr id="48" name="Straight Connector 47"/>
-                <p:cNvCxnSpPr/>
-                <p:nvPr/>
-              </p:nvCxnSpPr>
-              <p:spPr>
-                <a:xfrm flipH="1">
-                  <a:off x="1965060" y="4389560"/>
-                  <a:ext cx="135344" cy="168861"/>
-                </a:xfrm>
-                <a:prstGeom prst="line">
-                  <a:avLst/>
-                </a:prstGeom>
-                <a:grpFill/>
-              </p:spPr>
-              <p:style>
-                <a:lnRef idx="1">
-                  <a:schemeClr val="accent1"/>
-                </a:lnRef>
-                <a:fillRef idx="0">
-                  <a:schemeClr val="accent1"/>
-                </a:fillRef>
-                <a:effectRef idx="0">
-                  <a:schemeClr val="accent1"/>
-                </a:effectRef>
-                <a:fontRef idx="minor">
-                  <a:schemeClr val="tx1"/>
-                </a:fontRef>
-              </p:style>
-            </p:cxnSp>
-            <p:cxnSp>
-              <p:nvCxnSpPr>
-                <p:cNvPr id="49" name="Straight Connector 48"/>
-                <p:cNvCxnSpPr/>
-                <p:nvPr/>
-              </p:nvCxnSpPr>
-              <p:spPr>
-                <a:xfrm>
-                  <a:off x="2158908" y="4380507"/>
-                  <a:ext cx="112592" cy="177914"/>
-                </a:xfrm>
-                <a:prstGeom prst="line">
-                  <a:avLst/>
-                </a:prstGeom>
-                <a:grpFill/>
-              </p:spPr>
-              <p:style>
-                <a:lnRef idx="1">
-                  <a:schemeClr val="accent1"/>
-                </a:lnRef>
-                <a:fillRef idx="0">
-                  <a:schemeClr val="accent1"/>
-                </a:fillRef>
-                <a:effectRef idx="0">
-                  <a:schemeClr val="accent1"/>
-                </a:effectRef>
-                <a:fontRef idx="minor">
-                  <a:schemeClr val="tx1"/>
-                </a:fontRef>
-              </p:style>
-            </p:cxnSp>
-            <p:cxnSp>
-              <p:nvCxnSpPr>
-                <p:cNvPr id="50" name="Straight Connector 49"/>
-                <p:cNvCxnSpPr>
-                  <a:stCxn id="42" idx="5"/>
-                </p:cNvCxnSpPr>
-                <p:nvPr/>
-              </p:nvCxnSpPr>
-              <p:spPr>
-                <a:xfrm>
-                  <a:off x="2470454" y="4387778"/>
-                  <a:ext cx="153678" cy="170643"/>
-                </a:xfrm>
-                <a:prstGeom prst="line">
-                  <a:avLst/>
-                </a:prstGeom>
-                <a:grpFill/>
-              </p:spPr>
-              <p:style>
-                <a:lnRef idx="1">
-                  <a:schemeClr val="accent1"/>
-                </a:lnRef>
-                <a:fillRef idx="0">
-                  <a:schemeClr val="accent1"/>
-                </a:fillRef>
-                <a:effectRef idx="0">
-                  <a:schemeClr val="accent1"/>
-                </a:effectRef>
-                <a:fontRef idx="minor">
-                  <a:schemeClr val="tx1"/>
-                </a:fontRef>
-              </p:style>
-            </p:cxnSp>
-          </p:grpSp>
+            </p:spPr>
+            <p:style>
+              <a:lnRef idx="1">
+                <a:schemeClr val="accent1"/>
+              </a:lnRef>
+              <a:fillRef idx="0">
+                <a:schemeClr val="accent1"/>
+              </a:fillRef>
+              <a:effectRef idx="0">
+                <a:schemeClr val="accent1"/>
+              </a:effectRef>
+              <a:fontRef idx="minor">
+                <a:schemeClr val="tx1"/>
+              </a:fontRef>
+            </p:style>
+          </p:cxnSp>
+          <p:sp>
+            <p:nvSpPr>
+              <p:cNvPr id="47" name="Oval 46"/>
+              <p:cNvSpPr/>
+              <p:nvPr/>
+            </p:nvSpPr>
+            <p:spPr>
+              <a:xfrm>
+                <a:off x="2064417" y="4275500"/>
+                <a:ext cx="126751" cy="135802"/>
+              </a:xfrm>
+              <a:prstGeom prst="ellipse">
+                <a:avLst/>
+              </a:prstGeom>
+              <a:grpFill/>
+            </p:spPr>
+            <p:style>
+              <a:lnRef idx="2">
+                <a:schemeClr val="accent1">
+                  <a:shade val="50000"/>
+                </a:schemeClr>
+              </a:lnRef>
+              <a:fillRef idx="1">
+                <a:schemeClr val="accent1"/>
+              </a:fillRef>
+              <a:effectRef idx="0">
+                <a:schemeClr val="accent1"/>
+              </a:effectRef>
+              <a:fontRef idx="minor">
+                <a:schemeClr val="lt1"/>
+              </a:fontRef>
+            </p:style>
+            <p:txBody>
+              <a:bodyPr rtlCol="0" anchor="ctr"/>
+              <a:lstStyle/>
+              <a:p>
+                <a:pPr algn="ctr"/>
+                <a:endParaRPr lang="en-US"/>
+              </a:p>
+            </p:txBody>
+          </p:sp>
         </p:grpSp>
       </p:grpSp>
       <p:cxnSp>
@@ -16318,36 +16032,6 @@
       </p:graphicFrame>
       <p:sp>
         <p:nvSpPr>
-          <p:cNvPr id="113" name="TextBox 112"/>
-          <p:cNvSpPr txBox="1"/>
-          <p:nvPr/>
-        </p:nvSpPr>
-        <p:spPr>
-          <a:xfrm>
-            <a:off x="7125079" y="4118473"/>
-            <a:ext cx="3446238" cy="338554"/>
-          </a:xfrm>
-          <a:prstGeom prst="rect">
-            <a:avLst/>
-          </a:prstGeom>
-          <a:noFill/>
-        </p:spPr>
-        <p:txBody>
-          <a:bodyPr wrap="square" rtlCol="0">
-            <a:spAutoFit/>
-          </a:bodyPr>
-          <a:lstStyle/>
-          <a:p>
-            <a:r>
-              <a:rPr lang="en-US" sz="1600" dirty="0" smtClean="0"/>
-              <a:t>Make revised tree with updated weight </a:t>
-            </a:r>
-            <a:endParaRPr lang="en-US" sz="1600" dirty="0"/>
-          </a:p>
-        </p:txBody>
-      </p:sp>
-      <p:sp>
-        <p:nvSpPr>
           <p:cNvPr id="115" name="TextBox 114"/>
           <p:cNvSpPr txBox="1"/>
           <p:nvPr/>
@@ -17621,6 +17305,66 @@
           </a:prstGeom>
         </p:spPr>
       </p:pic>
+      <p:sp>
+        <p:nvSpPr>
+          <p:cNvPr id="2" name="TextBox 1"/>
+          <p:cNvSpPr txBox="1"/>
+          <p:nvPr/>
+        </p:nvSpPr>
+        <p:spPr>
+          <a:xfrm>
+            <a:off x="6138250" y="1406065"/>
+            <a:ext cx="1330860" cy="276999"/>
+          </a:xfrm>
+          <a:prstGeom prst="rect">
+            <a:avLst/>
+          </a:prstGeom>
+          <a:noFill/>
+        </p:spPr>
+        <p:txBody>
+          <a:bodyPr wrap="square" rtlCol="0">
+            <a:spAutoFit/>
+          </a:bodyPr>
+          <a:lstStyle/>
+          <a:p>
+            <a:r>
+              <a:rPr lang="en-US" sz="1200" dirty="0" smtClean="0"/>
+              <a:t>Decision Stumps</a:t>
+            </a:r>
+            <a:endParaRPr lang="en-US" sz="1200" dirty="0"/>
+          </a:p>
+        </p:txBody>
+      </p:sp>
+      <p:sp>
+        <p:nvSpPr>
+          <p:cNvPr id="53" name="TextBox 52"/>
+          <p:cNvSpPr txBox="1"/>
+          <p:nvPr/>
+        </p:nvSpPr>
+        <p:spPr>
+          <a:xfrm>
+            <a:off x="5926635" y="4138281"/>
+            <a:ext cx="1749154" cy="276999"/>
+          </a:xfrm>
+          <a:prstGeom prst="rect">
+            <a:avLst/>
+          </a:prstGeom>
+          <a:noFill/>
+        </p:spPr>
+        <p:txBody>
+          <a:bodyPr wrap="square" rtlCol="0">
+            <a:spAutoFit/>
+          </a:bodyPr>
+          <a:lstStyle/>
+          <a:p>
+            <a:r>
+              <a:rPr lang="en-US" sz="1200" dirty="0" smtClean="0"/>
+              <a:t>Revised Decision Stumps</a:t>
+            </a:r>
+            <a:endParaRPr lang="en-US" sz="1200" dirty="0"/>
+          </a:p>
+        </p:txBody>
+      </p:sp>
     </p:spTree>
     <p:extLst>
       <p:ext uri="{BB962C8B-B14F-4D97-AF65-F5344CB8AC3E}">
@@ -17777,33 +17521,6 @@
                                   </p:childTnLst>
                                 </p:cTn>
                               </p:par>
-                              <p:par>
-                                <p:cTn id="15" presetID="1" presetClass="entr" presetSubtype="0" fill="hold" nodeType="withEffect">
-                                  <p:stCondLst>
-                                    <p:cond delay="0"/>
-                                  </p:stCondLst>
-                                  <p:childTnLst>
-                                    <p:set>
-                                      <p:cBhvr>
-                                        <p:cTn id="16" dur="1" fill="hold">
-                                          <p:stCondLst>
-                                            <p:cond delay="0"/>
-                                          </p:stCondLst>
-                                        </p:cTn>
-                                        <p:tgtEl>
-                                          <p:spTgt spid="8"/>
-                                        </p:tgtEl>
-                                        <p:attrNameLst>
-                                          <p:attrName>style.visibility</p:attrName>
-                                        </p:attrNameLst>
-                                      </p:cBhvr>
-                                      <p:to>
-                                        <p:strVal val="visible"/>
-                                      </p:to>
-                                    </p:set>
-                                  </p:childTnLst>
-                                </p:cTn>
-                              </p:par>
                             </p:childTnLst>
                           </p:cTn>
                         </p:par>
@@ -17811,26 +17528,26 @@
                     </p:cTn>
                   </p:par>
                   <p:par>
-                    <p:cTn id="17" fill="hold">
+                    <p:cTn id="15" fill="hold">
                       <p:stCondLst>
                         <p:cond delay="indefinite"/>
                       </p:stCondLst>
                       <p:childTnLst>
                         <p:par>
-                          <p:cTn id="18" fill="hold">
+                          <p:cTn id="16" fill="hold">
                             <p:stCondLst>
                               <p:cond delay="0"/>
                             </p:stCondLst>
                             <p:childTnLst>
                               <p:par>
-                                <p:cTn id="19" presetID="1" presetClass="entr" presetSubtype="0" fill="hold" nodeType="clickEffect">
+                                <p:cTn id="17" presetID="1" presetClass="entr" presetSubtype="0" fill="hold" nodeType="clickEffect">
                                   <p:stCondLst>
                                     <p:cond delay="0"/>
                                   </p:stCondLst>
                                   <p:childTnLst>
                                     <p:set>
                                       <p:cBhvr>
-                                        <p:cTn id="20" dur="1" fill="hold">
+                                        <p:cTn id="18" dur="1" fill="hold">
                                           <p:stCondLst>
                                             <p:cond delay="0"/>
                                           </p:stCondLst>
@@ -17850,14 +17567,14 @@
                                 </p:cTn>
                               </p:par>
                               <p:par>
-                                <p:cTn id="21" presetID="1" presetClass="entr" presetSubtype="0" fill="hold" nodeType="withEffect">
+                                <p:cTn id="19" presetID="1" presetClass="entr" presetSubtype="0" fill="hold" nodeType="withEffect">
                                   <p:stCondLst>
                                     <p:cond delay="0"/>
                                   </p:stCondLst>
                                   <p:childTnLst>
                                     <p:set>
                                       <p:cBhvr>
-                                        <p:cTn id="22" dur="1" fill="hold">
+                                        <p:cTn id="20" dur="1" fill="hold">
                                           <p:stCondLst>
                                             <p:cond delay="0"/>
                                           </p:stCondLst>
@@ -17877,14 +17594,14 @@
                                 </p:cTn>
                               </p:par>
                               <p:par>
-                                <p:cTn id="23" presetID="1" presetClass="entr" presetSubtype="0" fill="hold" grpId="0" nodeType="withEffect">
+                                <p:cTn id="21" presetID="1" presetClass="entr" presetSubtype="0" fill="hold" grpId="0" nodeType="withEffect">
                                   <p:stCondLst>
                                     <p:cond delay="0"/>
                                   </p:stCondLst>
                                   <p:childTnLst>
                                     <p:set>
                                       <p:cBhvr>
-                                        <p:cTn id="24" dur="1" fill="hold">
+                                        <p:cTn id="22" dur="1" fill="hold">
                                           <p:stCondLst>
                                             <p:cond delay="0"/>
                                           </p:stCondLst>
@@ -17910,26 +17627,26 @@
                     </p:cTn>
                   </p:par>
                   <p:par>
-                    <p:cTn id="25" fill="hold">
+                    <p:cTn id="23" fill="hold">
                       <p:stCondLst>
                         <p:cond delay="indefinite"/>
                       </p:stCondLst>
                       <p:childTnLst>
                         <p:par>
-                          <p:cTn id="26" fill="hold">
+                          <p:cTn id="24" fill="hold">
                             <p:stCondLst>
                               <p:cond delay="0"/>
                             </p:stCondLst>
                             <p:childTnLst>
                               <p:par>
-                                <p:cTn id="27" presetID="1" presetClass="entr" presetSubtype="0" fill="hold" nodeType="clickEffect">
+                                <p:cTn id="25" presetID="1" presetClass="entr" presetSubtype="0" fill="hold" nodeType="clickEffect">
                                   <p:stCondLst>
                                     <p:cond delay="0"/>
                                   </p:stCondLst>
                                   <p:childTnLst>
                                     <p:set>
                                       <p:cBhvr>
-                                        <p:cTn id="28" dur="1" fill="hold">
+                                        <p:cTn id="26" dur="1" fill="hold">
                                           <p:stCondLst>
                                             <p:cond delay="0"/>
                                           </p:stCondLst>
@@ -17949,14 +17666,14 @@
                                 </p:cTn>
                               </p:par>
                               <p:par>
-                                <p:cTn id="29" presetID="1" presetClass="entr" presetSubtype="0" fill="hold" grpId="0" nodeType="withEffect">
+                                <p:cTn id="27" presetID="1" presetClass="entr" presetSubtype="0" fill="hold" grpId="0" nodeType="withEffect">
                                   <p:stCondLst>
                                     <p:cond delay="0"/>
                                   </p:stCondLst>
                                   <p:childTnLst>
                                     <p:set>
                                       <p:cBhvr>
-                                        <p:cTn id="30" dur="1" fill="hold">
+                                        <p:cTn id="28" dur="1" fill="hold">
                                           <p:stCondLst>
                                             <p:cond delay="0"/>
                                           </p:stCondLst>
@@ -17976,14 +17693,14 @@
                                 </p:cTn>
                               </p:par>
                               <p:par>
-                                <p:cTn id="31" presetID="1" presetClass="entr" presetSubtype="0" fill="hold" nodeType="withEffect">
+                                <p:cTn id="29" presetID="1" presetClass="entr" presetSubtype="0" fill="hold" nodeType="withEffect">
                                   <p:stCondLst>
                                     <p:cond delay="0"/>
                                   </p:stCondLst>
                                   <p:childTnLst>
                                     <p:set>
                                       <p:cBhvr>
-                                        <p:cTn id="32" dur="1" fill="hold">
+                                        <p:cTn id="30" dur="1" fill="hold">
                                           <p:stCondLst>
                                             <p:cond delay="0"/>
                                           </p:stCondLst>
@@ -18003,14 +17720,14 @@
                                 </p:cTn>
                               </p:par>
                               <p:par>
-                                <p:cTn id="33" presetID="1" presetClass="entr" presetSubtype="0" fill="hold" grpId="0" nodeType="withEffect">
+                                <p:cTn id="31" presetID="1" presetClass="entr" presetSubtype="0" fill="hold" grpId="0" nodeType="withEffect">
                                   <p:stCondLst>
                                     <p:cond delay="0"/>
                                   </p:stCondLst>
                                   <p:childTnLst>
                                     <p:set>
                                       <p:cBhvr>
-                                        <p:cTn id="34" dur="1" fill="hold">
+                                        <p:cTn id="32" dur="1" fill="hold">
                                           <p:stCondLst>
                                             <p:cond delay="0"/>
                                           </p:stCondLst>
@@ -18036,26 +17753,26 @@
                     </p:cTn>
                   </p:par>
                   <p:par>
-                    <p:cTn id="35" fill="hold">
+                    <p:cTn id="33" fill="hold">
                       <p:stCondLst>
                         <p:cond delay="indefinite"/>
                       </p:stCondLst>
                       <p:childTnLst>
                         <p:par>
-                          <p:cTn id="36" fill="hold">
+                          <p:cTn id="34" fill="hold">
                             <p:stCondLst>
                               <p:cond delay="0"/>
                             </p:stCondLst>
                             <p:childTnLst>
                               <p:par>
-                                <p:cTn id="37" presetID="1" presetClass="entr" presetSubtype="0" fill="hold" nodeType="clickEffect">
+                                <p:cTn id="35" presetID="1" presetClass="entr" presetSubtype="0" fill="hold" nodeType="clickEffect">
                                   <p:stCondLst>
                                     <p:cond delay="0"/>
                                   </p:stCondLst>
                                   <p:childTnLst>
                                     <p:set>
                                       <p:cBhvr>
-                                        <p:cTn id="38" dur="1" fill="hold">
+                                        <p:cTn id="36" dur="1" fill="hold">
                                           <p:stCondLst>
                                             <p:cond delay="0"/>
                                           </p:stCondLst>
@@ -18074,8 +17791,26 @@
                                   </p:childTnLst>
                                 </p:cTn>
                               </p:par>
+                            </p:childTnLst>
+                          </p:cTn>
+                        </p:par>
+                      </p:childTnLst>
+                    </p:cTn>
+                  </p:par>
+                  <p:par>
+                    <p:cTn id="37" fill="hold">
+                      <p:stCondLst>
+                        <p:cond delay="indefinite"/>
+                      </p:stCondLst>
+                      <p:childTnLst>
+                        <p:par>
+                          <p:cTn id="38" fill="hold">
+                            <p:stCondLst>
+                              <p:cond delay="0"/>
+                            </p:stCondLst>
+                            <p:childTnLst>
                               <p:par>
-                                <p:cTn id="39" presetID="1" presetClass="entr" presetSubtype="0" fill="hold" nodeType="withEffect">
+                                <p:cTn id="39" presetID="1" presetClass="entr" presetSubtype="0" fill="hold" nodeType="clickEffect">
                                   <p:stCondLst>
                                     <p:cond delay="0"/>
                                   </p:stCondLst>
@@ -18088,7 +17823,7 @@
                                           </p:stCondLst>
                                         </p:cTn>
                                         <p:tgtEl>
-                                          <p:spTgt spid="39"/>
+                                          <p:spTgt spid="61"/>
                                         </p:tgtEl>
                                         <p:attrNameLst>
                                           <p:attrName>style.visibility</p:attrName>
@@ -18115,78 +17850,6 @@
                                           </p:stCondLst>
                                         </p:cTn>
                                         <p:tgtEl>
-                                          <p:spTgt spid="113"/>
-                                        </p:tgtEl>
-                                        <p:attrNameLst>
-                                          <p:attrName>style.visibility</p:attrName>
-                                        </p:attrNameLst>
-                                      </p:cBhvr>
-                                      <p:to>
-                                        <p:strVal val="visible"/>
-                                      </p:to>
-                                    </p:set>
-                                  </p:childTnLst>
-                                </p:cTn>
-                              </p:par>
-                            </p:childTnLst>
-                          </p:cTn>
-                        </p:par>
-                      </p:childTnLst>
-                    </p:cTn>
-                  </p:par>
-                  <p:par>
-                    <p:cTn id="43" fill="hold">
-                      <p:stCondLst>
-                        <p:cond delay="indefinite"/>
-                      </p:stCondLst>
-                      <p:childTnLst>
-                        <p:par>
-                          <p:cTn id="44" fill="hold">
-                            <p:stCondLst>
-                              <p:cond delay="0"/>
-                            </p:stCondLst>
-                            <p:childTnLst>
-                              <p:par>
-                                <p:cTn id="45" presetID="1" presetClass="entr" presetSubtype="0" fill="hold" nodeType="clickEffect">
-                                  <p:stCondLst>
-                                    <p:cond delay="0"/>
-                                  </p:stCondLst>
-                                  <p:childTnLst>
-                                    <p:set>
-                                      <p:cBhvr>
-                                        <p:cTn id="46" dur="1" fill="hold">
-                                          <p:stCondLst>
-                                            <p:cond delay="0"/>
-                                          </p:stCondLst>
-                                        </p:cTn>
-                                        <p:tgtEl>
-                                          <p:spTgt spid="61"/>
-                                        </p:tgtEl>
-                                        <p:attrNameLst>
-                                          <p:attrName>style.visibility</p:attrName>
-                                        </p:attrNameLst>
-                                      </p:cBhvr>
-                                      <p:to>
-                                        <p:strVal val="visible"/>
-                                      </p:to>
-                                    </p:set>
-                                  </p:childTnLst>
-                                </p:cTn>
-                              </p:par>
-                              <p:par>
-                                <p:cTn id="47" presetID="1" presetClass="entr" presetSubtype="0" fill="hold" grpId="0" nodeType="withEffect">
-                                  <p:stCondLst>
-                                    <p:cond delay="0"/>
-                                  </p:stCondLst>
-                                  <p:childTnLst>
-                                    <p:set>
-                                      <p:cBhvr>
-                                        <p:cTn id="48" dur="1" fill="hold">
-                                          <p:stCondLst>
-                                            <p:cond delay="0"/>
-                                          </p:stCondLst>
-                                        </p:cTn>
-                                        <p:tgtEl>
                                           <p:spTgt spid="52"/>
                                         </p:tgtEl>
                                         <p:attrNameLst>
@@ -18201,14 +17864,14 @@
                                 </p:cTn>
                               </p:par>
                               <p:par>
-                                <p:cTn id="49" presetID="1" presetClass="entr" presetSubtype="0" fill="hold" nodeType="withEffect">
+                                <p:cTn id="43" presetID="1" presetClass="entr" presetSubtype="0" fill="hold" nodeType="withEffect">
                                   <p:stCondLst>
                                     <p:cond delay="0"/>
                                   </p:stCondLst>
                                   <p:childTnLst>
                                     <p:set>
                                       <p:cBhvr>
-                                        <p:cTn id="50" dur="1" fill="hold">
+                                        <p:cTn id="44" dur="1" fill="hold">
                                           <p:stCondLst>
                                             <p:cond delay="0"/>
                                           </p:stCondLst>
@@ -18234,26 +17897,26 @@
                     </p:cTn>
                   </p:par>
                   <p:par>
-                    <p:cTn id="51" fill="hold">
+                    <p:cTn id="45" fill="hold">
                       <p:stCondLst>
                         <p:cond delay="indefinite"/>
                       </p:stCondLst>
                       <p:childTnLst>
                         <p:par>
-                          <p:cTn id="52" fill="hold">
+                          <p:cTn id="46" fill="hold">
                             <p:stCondLst>
                               <p:cond delay="0"/>
                             </p:stCondLst>
                             <p:childTnLst>
                               <p:par>
-                                <p:cTn id="53" presetID="1" presetClass="entr" presetSubtype="0" fill="hold" nodeType="clickEffect">
+                                <p:cTn id="47" presetID="1" presetClass="entr" presetSubtype="0" fill="hold" nodeType="clickEffect">
                                   <p:stCondLst>
                                     <p:cond delay="0"/>
                                   </p:stCondLst>
                                   <p:childTnLst>
                                     <p:set>
                                       <p:cBhvr>
-                                        <p:cTn id="54" dur="1" fill="hold">
+                                        <p:cTn id="48" dur="1" fill="hold">
                                           <p:stCondLst>
                                             <p:cond delay="0"/>
                                           </p:stCondLst>
@@ -18279,26 +17942,26 @@
                     </p:cTn>
                   </p:par>
                   <p:par>
-                    <p:cTn id="55" fill="hold">
+                    <p:cTn id="49" fill="hold">
                       <p:stCondLst>
                         <p:cond delay="indefinite"/>
                       </p:stCondLst>
                       <p:childTnLst>
                         <p:par>
-                          <p:cTn id="56" fill="hold">
+                          <p:cTn id="50" fill="hold">
                             <p:stCondLst>
                               <p:cond delay="0"/>
                             </p:stCondLst>
                             <p:childTnLst>
                               <p:par>
-                                <p:cTn id="57" presetID="1" presetClass="entr" presetSubtype="0" fill="hold" grpId="0" nodeType="clickEffect">
+                                <p:cTn id="51" presetID="1" presetClass="entr" presetSubtype="0" fill="hold" grpId="0" nodeType="clickEffect">
                                   <p:stCondLst>
                                     <p:cond delay="0"/>
                                   </p:stCondLst>
                                   <p:childTnLst>
                                     <p:set>
                                       <p:cBhvr>
-                                        <p:cTn id="58" dur="1" fill="hold">
+                                        <p:cTn id="52" dur="1" fill="hold">
                                           <p:stCondLst>
                                             <p:cond delay="0"/>
                                           </p:stCondLst>
@@ -18324,26 +17987,26 @@
                     </p:cTn>
                   </p:par>
                   <p:par>
-                    <p:cTn id="59" fill="hold">
+                    <p:cTn id="53" fill="hold">
                       <p:stCondLst>
                         <p:cond delay="indefinite"/>
                       </p:stCondLst>
                       <p:childTnLst>
                         <p:par>
-                          <p:cTn id="60" fill="hold">
+                          <p:cTn id="54" fill="hold">
                             <p:stCondLst>
                               <p:cond delay="0"/>
                             </p:stCondLst>
                             <p:childTnLst>
                               <p:par>
-                                <p:cTn id="61" presetID="1" presetClass="entr" presetSubtype="0" fill="hold" nodeType="clickEffect">
+                                <p:cTn id="55" presetID="1" presetClass="entr" presetSubtype="0" fill="hold" nodeType="clickEffect">
                                   <p:stCondLst>
                                     <p:cond delay="0"/>
                                   </p:stCondLst>
                                   <p:childTnLst>
                                     <p:set>
                                       <p:cBhvr>
-                                        <p:cTn id="62" dur="1" fill="hold">
+                                        <p:cTn id="56" dur="1" fill="hold">
                                           <p:stCondLst>
                                             <p:cond delay="0"/>
                                           </p:stCondLst>
@@ -18363,14 +18026,14 @@
                                 </p:cTn>
                               </p:par>
                               <p:par>
-                                <p:cTn id="63" presetID="1" presetClass="entr" presetSubtype="0" fill="hold" grpId="0" nodeType="withEffect">
+                                <p:cTn id="57" presetID="1" presetClass="entr" presetSubtype="0" fill="hold" grpId="0" nodeType="withEffect">
                                   <p:stCondLst>
                                     <p:cond delay="0"/>
                                   </p:stCondLst>
                                   <p:childTnLst>
                                     <p:set>
                                       <p:cBhvr>
-                                        <p:cTn id="64" dur="1" fill="hold">
+                                        <p:cTn id="58" dur="1" fill="hold">
                                           <p:stCondLst>
                                             <p:cond delay="0"/>
                                           </p:stCondLst>
@@ -18390,14 +18053,14 @@
                                 </p:cTn>
                               </p:par>
                               <p:par>
-                                <p:cTn id="65" presetID="1" presetClass="entr" presetSubtype="0" fill="hold" nodeType="withEffect">
+                                <p:cTn id="59" presetID="1" presetClass="entr" presetSubtype="0" fill="hold" nodeType="withEffect">
                                   <p:stCondLst>
                                     <p:cond delay="0"/>
                                   </p:stCondLst>
                                   <p:childTnLst>
                                     <p:set>
                                       <p:cBhvr>
-                                        <p:cTn id="66" dur="1" fill="hold">
+                                        <p:cTn id="60" dur="1" fill="hold">
                                           <p:stCondLst>
                                             <p:cond delay="0"/>
                                           </p:stCondLst>
@@ -18423,26 +18086,26 @@
                     </p:cTn>
                   </p:par>
                   <p:par>
-                    <p:cTn id="67" fill="hold">
+                    <p:cTn id="61" fill="hold">
                       <p:stCondLst>
                         <p:cond delay="indefinite"/>
                       </p:stCondLst>
                       <p:childTnLst>
                         <p:par>
-                          <p:cTn id="68" fill="hold">
+                          <p:cTn id="62" fill="hold">
                             <p:stCondLst>
                               <p:cond delay="0"/>
                             </p:stCondLst>
                             <p:childTnLst>
                               <p:par>
-                                <p:cTn id="69" presetID="1" presetClass="entr" presetSubtype="0" fill="hold" nodeType="clickEffect">
+                                <p:cTn id="63" presetID="1" presetClass="entr" presetSubtype="0" fill="hold" nodeType="clickEffect">
                                   <p:stCondLst>
                                     <p:cond delay="0"/>
                                   </p:stCondLst>
                                   <p:childTnLst>
                                     <p:set>
                                       <p:cBhvr>
-                                        <p:cTn id="70" dur="1" fill="hold">
+                                        <p:cTn id="64" dur="1" fill="hold">
                                           <p:stCondLst>
                                             <p:cond delay="0"/>
                                           </p:stCondLst>
@@ -18462,14 +18125,14 @@
                                 </p:cTn>
                               </p:par>
                               <p:par>
-                                <p:cTn id="71" presetID="1" presetClass="entr" presetSubtype="0" fill="hold" grpId="0" nodeType="withEffect">
+                                <p:cTn id="65" presetID="1" presetClass="entr" presetSubtype="0" fill="hold" grpId="0" nodeType="withEffect">
                                   <p:stCondLst>
                                     <p:cond delay="0"/>
                                   </p:stCondLst>
                                   <p:childTnLst>
                                     <p:set>
                                       <p:cBhvr>
-                                        <p:cTn id="72" dur="1" fill="hold">
+                                        <p:cTn id="66" dur="1" fill="hold">
                                           <p:stCondLst>
                                             <p:cond delay="0"/>
                                           </p:stCondLst>
@@ -18524,7 +18187,6 @@
       <p:bldP spid="52" grpId="0" animBg="1"/>
       <p:bldP spid="101" grpId="0"/>
       <p:bldP spid="102" grpId="0" animBg="1"/>
-      <p:bldP spid="113" grpId="0"/>
       <p:bldP spid="115" grpId="0"/>
     </p:bldLst>
   </p:timing>
